--- a/Estudiar/Ppts/ProgramacionII_Clase_22-2018 Threads   (sp).pptx
+++ b/Estudiar/Ppts/ProgramacionII_Clase_22-2018 Threads   (sp).pptx
@@ -109,6 +109,11 @@
       </a:defRPr>
     </a:lvl9pPr>
   </p:defaultTextStyle>
+  <p:extLst>
+    <p:ext uri="{EFAFB233-063F-42B5-8137-9DF3F51BA10A}">
+      <p15:sldGuideLst xmlns:p15="http://schemas.microsoft.com/office/powerpoint/2012/main"/>
+    </p:ext>
+  </p:extLst>
 </p:presentation>
 </file>
 
@@ -386,7 +391,7 @@
           <a:p>
             <a:fld id="{78ABE3C1-DBE1-495D-B57B-2849774B866A}" type="datetimeFigureOut">
               <a:rPr lang="en-US" dirty="0"/>
-              <a:t>10/24/2018</a:t>
+              <a:t>6/6/2019</a:t>
             </a:fld>
             <a:endParaRPr lang="en-US" dirty="0"/>
           </a:p>
@@ -795,7 +800,7 @@
           <a:p>
             <a:fld id="{446C117F-5CCF-4837-BE5F-2B92066CAFAF}" type="datetimeFigureOut">
               <a:rPr lang="en-US" dirty="0"/>
-              <a:t>10/24/2018</a:t>
+              <a:t>6/6/2019</a:t>
             </a:fld>
             <a:endParaRPr lang="en-US" dirty="0"/>
           </a:p>
@@ -1126,7 +1131,7 @@
           <a:p>
             <a:fld id="{84EB90BD-B6CE-46B7-997F-7313B992CCDC}" type="datetimeFigureOut">
               <a:rPr lang="en-US" dirty="0"/>
-              <a:t>10/24/2018</a:t>
+              <a:t>6/6/2019</a:t>
             </a:fld>
             <a:endParaRPr lang="en-US" dirty="0"/>
           </a:p>
@@ -1526,7 +1531,7 @@
           <a:p>
             <a:fld id="{CDB9D11F-B188-461D-B23F-39381795C052}" type="datetimeFigureOut">
               <a:rPr lang="en-US" dirty="0"/>
-              <a:t>10/24/2018</a:t>
+              <a:t>6/6/2019</a:t>
             </a:fld>
             <a:endParaRPr lang="en-US" dirty="0"/>
           </a:p>
@@ -2089,7 +2094,7 @@
           <a:p>
             <a:fld id="{52E6D8D9-55A2-4063-B0F3-121F44549695}" type="datetimeFigureOut">
               <a:rPr lang="en-US" dirty="0"/>
-              <a:t>10/24/2018</a:t>
+              <a:t>6/6/2019</a:t>
             </a:fld>
             <a:endParaRPr lang="en-US" dirty="0"/>
           </a:p>
@@ -2765,7 +2770,7 @@
           <a:p>
             <a:fld id="{D4B24536-994D-4021-A283-9F449C0DB509}" type="datetimeFigureOut">
               <a:rPr lang="en-US" dirty="0"/>
-              <a:t>10/24/2018</a:t>
+              <a:t>6/6/2019</a:t>
             </a:fld>
             <a:endParaRPr lang="en-US" dirty="0"/>
           </a:p>
@@ -3673,7 +3678,7 @@
           <a:p>
             <a:fld id="{3CBBBB78-C96F-47B7-AB17-D852CA960AC9}" type="datetimeFigureOut">
               <a:rPr lang="en-US" dirty="0"/>
-              <a:t>10/24/2018</a:t>
+              <a:t>6/6/2019</a:t>
             </a:fld>
             <a:endParaRPr lang="en-US" dirty="0"/>
           </a:p>
@@ -3981,7 +3986,7 @@
           <a:p>
             <a:fld id="{1FA3F48C-C7C6-4055-9F49-3777875E72AE}" type="datetimeFigureOut">
               <a:rPr lang="en-US" dirty="0"/>
-              <a:t>10/24/2018</a:t>
+              <a:t>6/6/2019</a:t>
             </a:fld>
             <a:endParaRPr lang="en-US" dirty="0"/>
           </a:p>
@@ -4240,7 +4245,7 @@
           <a:p>
             <a:fld id="{6178E61D-D431-422C-9764-11DAFE33AB63}" type="datetimeFigureOut">
               <a:rPr lang="en-US" dirty="0"/>
-              <a:t>10/24/2018</a:t>
+              <a:t>6/6/2019</a:t>
             </a:fld>
             <a:endParaRPr lang="en-US" dirty="0"/>
           </a:p>
@@ -4559,7 +4564,7 @@
           <a:p>
             <a:fld id="{12DE42F4-6EEF-4EF7-8ED4-2208F0F89A08}" type="datetimeFigureOut">
               <a:rPr lang="en-US" dirty="0"/>
-              <a:t>10/24/2018</a:t>
+              <a:t>6/6/2019</a:t>
             </a:fld>
             <a:endParaRPr lang="en-US" dirty="0"/>
           </a:p>
@@ -4943,7 +4948,7 @@
           <a:p>
             <a:fld id="{30578ACC-22D6-47C1-A373-4FD133E34F3C}" type="datetimeFigureOut">
               <a:rPr lang="en-US" dirty="0"/>
-              <a:t>10/24/2018</a:t>
+              <a:t>6/6/2019</a:t>
             </a:fld>
             <a:endParaRPr lang="en-US" dirty="0"/>
           </a:p>
@@ -5314,7 +5319,7 @@
           <a:p>
             <a:fld id="{4E5A6C69-6797-4E8A-BF37-F2C3751466E9}" type="datetimeFigureOut">
               <a:rPr lang="en-US" dirty="0"/>
-              <a:t>10/24/2018</a:t>
+              <a:t>6/6/2019</a:t>
             </a:fld>
             <a:endParaRPr lang="en-US" dirty="0"/>
           </a:p>
@@ -5815,7 +5820,7 @@
           <a:p>
             <a:fld id="{D82014A1-A632-4878-A0D3-F52BA7563730}" type="datetimeFigureOut">
               <a:rPr lang="en-US" dirty="0"/>
-              <a:t>10/24/2018</a:t>
+              <a:t>6/6/2019</a:t>
             </a:fld>
             <a:endParaRPr lang="en-US" dirty="0"/>
           </a:p>
@@ -6067,7 +6072,7 @@
           <a:p>
             <a:fld id="{CE99F462-093F-4566-844B-4C71F2739DA5}" type="datetimeFigureOut">
               <a:rPr lang="en-US" dirty="0"/>
-              <a:t>10/24/2018</a:t>
+              <a:t>6/6/2019</a:t>
             </a:fld>
             <a:endParaRPr lang="en-US" dirty="0"/>
           </a:p>
@@ -6225,7 +6230,7 @@
           <a:p>
             <a:fld id="{3D24A7AC-904D-4781-85BA-7D10C17ED021}" type="datetimeFigureOut">
               <a:rPr lang="en-US" dirty="0"/>
-              <a:t>10/24/2018</a:t>
+              <a:t>6/6/2019</a:t>
             </a:fld>
             <a:endParaRPr lang="en-US" dirty="0"/>
           </a:p>
@@ -6610,7 +6615,7 @@
           <a:p>
             <a:fld id="{E331444B-B92B-4E27-8C94-BB93EAF5CB18}" type="datetimeFigureOut">
               <a:rPr lang="en-US" dirty="0"/>
-              <a:t>10/24/2018</a:t>
+              <a:t>6/6/2019</a:t>
             </a:fld>
             <a:endParaRPr lang="en-US" dirty="0"/>
           </a:p>
@@ -7014,7 +7019,7 @@
           <a:p>
             <a:fld id="{363EFA5E-FA76-400D-B3DC-F0BA90E6D107}" type="datetimeFigureOut">
               <a:rPr lang="en-US" dirty="0"/>
-              <a:t>10/24/2018</a:t>
+              <a:t>6/6/2019</a:t>
             </a:fld>
             <a:endParaRPr lang="en-US" dirty="0"/>
           </a:p>
@@ -7253,7 +7258,7 @@
           <a:p>
             <a:fld id="{9D6E9DEC-419B-4CC5-A080-3B06BD5A8291}" type="datetimeFigureOut">
               <a:rPr lang="en-US" dirty="0"/>
-              <a:t>10/24/2018</a:t>
+              <a:t>6/6/2019</a:t>
             </a:fld>
             <a:endParaRPr lang="en-US" dirty="0"/>
           </a:p>
@@ -8075,8 +8080,49 @@
                 </a:effectLst>
                 <a:latin typeface="Franklin Gothic Medium" panose="020B0603020102020204" pitchFamily="34" charset="0"/>
               </a:rPr>
-              <a:t>Los hilos de ejecución que comparten los mismos recursos, sumados a estos recursos, son en conjunto conocidos como un proceso.</a:t>
-            </a:r>
+              <a:t>Los hilos de ejecución que comparten los mismos recursos, sumados a estos recursos, son en conjunto conocidos como un proceso</a:t>
+            </a:r>
+            <a:r>
+              <a:rPr lang="es-AR" dirty="0" smtClean="0">
+                <a:effectLst>
+                  <a:outerShdw blurRad="38100" dist="38100" dir="2700000" algn="tl">
+                    <a:srgbClr val="000000">
+                      <a:alpha val="43137"/>
+                    </a:srgbClr>
+                  </a:outerShdw>
+                </a:effectLst>
+                <a:latin typeface="Franklin Gothic Medium" panose="020B0603020102020204" pitchFamily="34" charset="0"/>
+              </a:rPr>
+              <a:t>.</a:t>
+            </a:r>
+          </a:p>
+          <a:p>
+            <a:pPr>
+              <a:defRPr/>
+            </a:pPr>
+            <a:r>
+              <a:rPr lang="es-AR" dirty="0" smtClean="0">
+                <a:effectLst>
+                  <a:outerShdw blurRad="38100" dist="38100" dir="2700000" algn="tl">
+                    <a:srgbClr val="000000">
+                      <a:alpha val="43137"/>
+                    </a:srgbClr>
+                  </a:outerShdw>
+                </a:effectLst>
+                <a:latin typeface="Franklin Gothic Medium" panose="020B0603020102020204" pitchFamily="34" charset="0"/>
+              </a:rPr>
+              <a:t>Cuando hay varios hilos juntos, forman un proceso ^</a:t>
+            </a:r>
+            <a:endParaRPr lang="es-AR" dirty="0">
+              <a:effectLst>
+                <a:outerShdw blurRad="38100" dist="38100" dir="2700000" algn="tl">
+                  <a:srgbClr val="000000">
+                    <a:alpha val="43137"/>
+                  </a:srgbClr>
+                </a:outerShdw>
+              </a:effectLst>
+              <a:latin typeface="Franklin Gothic Medium" panose="020B0603020102020204" pitchFamily="34" charset="0"/>
+            </a:endParaRPr>
           </a:p>
         </p:txBody>
       </p:sp>
@@ -8935,8 +8981,8 @@
         </p:nvSpPr>
         <p:spPr>
           <a:xfrm>
-            <a:off x="680321" y="2163025"/>
-            <a:ext cx="8393113" cy="4444294"/>
+            <a:off x="680321" y="2175904"/>
+            <a:ext cx="10472783" cy="4444294"/>
           </a:xfrm>
           <a:prstGeom prst="rect">
             <a:avLst/>
@@ -9280,7 +9326,19 @@
                 </a:highlight>
                 <a:latin typeface="Consolas" panose="020B0609020204030204" pitchFamily="49" charset="0"/>
               </a:rPr>
-              <a:t>// Creo el hilo</a:t>
+              <a:t>// Creo el </a:t>
+            </a:r>
+            <a:r>
+              <a:rPr lang="es-AR" sz="2800" dirty="0" smtClean="0">
+                <a:solidFill>
+                  <a:srgbClr val="008000"/>
+                </a:solidFill>
+                <a:highlight>
+                  <a:srgbClr val="FFFFFF"/>
+                </a:highlight>
+                <a:latin typeface="Consolas" panose="020B0609020204030204" pitchFamily="49" charset="0"/>
+              </a:rPr>
+              <a:t>hilo //Recibe el puntero a función</a:t>
             </a:r>
             <a:endParaRPr lang="es-AR" sz="2800" dirty="0" smtClean="0">
               <a:solidFill>
@@ -9411,7 +9469,19 @@
                 </a:highlight>
                 <a:latin typeface="Consolas" panose="020B0609020204030204" pitchFamily="49" charset="0"/>
               </a:rPr>
-              <a:t>// Inicio el Hilo</a:t>
+              <a:t>// Inicio el </a:t>
+            </a:r>
+            <a:r>
+              <a:rPr lang="es-AR" sz="2800" dirty="0" smtClean="0">
+                <a:solidFill>
+                  <a:srgbClr val="008000"/>
+                </a:solidFill>
+                <a:highlight>
+                  <a:srgbClr val="FFFFFF"/>
+                </a:highlight>
+                <a:latin typeface="Consolas" panose="020B0609020204030204" pitchFamily="49" charset="0"/>
+              </a:rPr>
+              <a:t>Hilo //Terminar hilo</a:t>
             </a:r>
             <a:endParaRPr lang="es-AR" sz="2800" dirty="0" smtClean="0">
               <a:solidFill>
@@ -9440,6 +9510,30 @@
                 <a:latin typeface="Consolas" panose="020B0609020204030204" pitchFamily="49" charset="0"/>
               </a:rPr>
               <a:t>t.Start</a:t>
+            </a:r>
+            <a:r>
+              <a:rPr lang="es-AR" sz="2800" dirty="0" smtClean="0">
+                <a:solidFill>
+                  <a:srgbClr val="000000"/>
+                </a:solidFill>
+                <a:highlight>
+                  <a:srgbClr val="FFFFFF"/>
+                </a:highlight>
+                <a:latin typeface="Consolas" panose="020B0609020204030204" pitchFamily="49" charset="0"/>
+              </a:rPr>
+              <a:t>(); </a:t>
+            </a:r>
+            <a:r>
+              <a:rPr lang="es-AR" sz="2800" dirty="0" err="1" smtClean="0">
+                <a:solidFill>
+                  <a:srgbClr val="000000"/>
+                </a:solidFill>
+                <a:highlight>
+                  <a:srgbClr val="FFFFFF"/>
+                </a:highlight>
+                <a:latin typeface="Consolas" panose="020B0609020204030204" pitchFamily="49" charset="0"/>
+              </a:rPr>
+              <a:t>t.Stop</a:t>
             </a:r>
             <a:r>
               <a:rPr lang="es-AR" sz="2800" dirty="0" smtClean="0">
